--- a/week_2/2.4 Lists_and_Mutability.pptx
+++ b/week_2/2.4 Lists_and_Mutability.pptx
@@ -291,7 +291,7 @@
           <a:p>
             <a:fld id="{0002348E-D0FE-694B-9EEC-D1454F97A6C7}" type="datetimeFigureOut">
               <a:rPr lang="en-US" smtClean="0"/>
-              <a:t>7/13/15</a:t>
+              <a:t>9/28/15</a:t>
             </a:fld>
             <a:endParaRPr lang="en-US"/>
           </a:p>
@@ -461,7 +461,7 @@
           <a:p>
             <a:fld id="{0002348E-D0FE-694B-9EEC-D1454F97A6C7}" type="datetimeFigureOut">
               <a:rPr lang="en-US" smtClean="0"/>
-              <a:t>7/13/15</a:t>
+              <a:t>9/28/15</a:t>
             </a:fld>
             <a:endParaRPr lang="en-US"/>
           </a:p>
@@ -641,7 +641,7 @@
           <a:p>
             <a:fld id="{0002348E-D0FE-694B-9EEC-D1454F97A6C7}" type="datetimeFigureOut">
               <a:rPr lang="en-US" smtClean="0"/>
-              <a:t>7/13/15</a:t>
+              <a:t>9/28/15</a:t>
             </a:fld>
             <a:endParaRPr lang="en-US"/>
           </a:p>
@@ -811,7 +811,7 @@
           <a:p>
             <a:fld id="{0002348E-D0FE-694B-9EEC-D1454F97A6C7}" type="datetimeFigureOut">
               <a:rPr lang="en-US" smtClean="0"/>
-              <a:t>7/13/15</a:t>
+              <a:t>9/28/15</a:t>
             </a:fld>
             <a:endParaRPr lang="en-US"/>
           </a:p>
@@ -1057,7 +1057,7 @@
           <a:p>
             <a:fld id="{0002348E-D0FE-694B-9EEC-D1454F97A6C7}" type="datetimeFigureOut">
               <a:rPr lang="en-US" smtClean="0"/>
-              <a:t>7/13/15</a:t>
+              <a:t>9/28/15</a:t>
             </a:fld>
             <a:endParaRPr lang="en-US"/>
           </a:p>
@@ -1345,7 +1345,7 @@
           <a:p>
             <a:fld id="{0002348E-D0FE-694B-9EEC-D1454F97A6C7}" type="datetimeFigureOut">
               <a:rPr lang="en-US" smtClean="0"/>
-              <a:t>7/13/15</a:t>
+              <a:t>9/28/15</a:t>
             </a:fld>
             <a:endParaRPr lang="en-US"/>
           </a:p>
@@ -1767,7 +1767,7 @@
           <a:p>
             <a:fld id="{0002348E-D0FE-694B-9EEC-D1454F97A6C7}" type="datetimeFigureOut">
               <a:rPr lang="en-US" smtClean="0"/>
-              <a:t>7/13/15</a:t>
+              <a:t>9/28/15</a:t>
             </a:fld>
             <a:endParaRPr lang="en-US"/>
           </a:p>
@@ -1885,7 +1885,7 @@
           <a:p>
             <a:fld id="{0002348E-D0FE-694B-9EEC-D1454F97A6C7}" type="datetimeFigureOut">
               <a:rPr lang="en-US" smtClean="0"/>
-              <a:t>7/13/15</a:t>
+              <a:t>9/28/15</a:t>
             </a:fld>
             <a:endParaRPr lang="en-US"/>
           </a:p>
@@ -1980,7 +1980,7 @@
           <a:p>
             <a:fld id="{0002348E-D0FE-694B-9EEC-D1454F97A6C7}" type="datetimeFigureOut">
               <a:rPr lang="en-US" smtClean="0"/>
-              <a:t>7/13/15</a:t>
+              <a:t>9/28/15</a:t>
             </a:fld>
             <a:endParaRPr lang="en-US"/>
           </a:p>
@@ -2257,7 +2257,7 @@
           <a:p>
             <a:fld id="{0002348E-D0FE-694B-9EEC-D1454F97A6C7}" type="datetimeFigureOut">
               <a:rPr lang="en-US" smtClean="0"/>
-              <a:t>7/13/15</a:t>
+              <a:t>9/28/15</a:t>
             </a:fld>
             <a:endParaRPr lang="en-US"/>
           </a:p>
@@ -2510,7 +2510,7 @@
           <a:p>
             <a:fld id="{0002348E-D0FE-694B-9EEC-D1454F97A6C7}" type="datetimeFigureOut">
               <a:rPr lang="en-US" smtClean="0"/>
-              <a:t>7/13/15</a:t>
+              <a:t>9/28/15</a:t>
             </a:fld>
             <a:endParaRPr lang="en-US"/>
           </a:p>
@@ -2723,7 +2723,7 @@
           <a:p>
             <a:fld id="{0002348E-D0FE-694B-9EEC-D1454F97A6C7}" type="datetimeFigureOut">
               <a:rPr lang="en-US" smtClean="0"/>
-              <a:t>7/13/15</a:t>
+              <a:t>9/28/15</a:t>
             </a:fld>
             <a:endParaRPr lang="en-US"/>
           </a:p>
@@ -3249,11 +3249,7 @@
           <a:p>
             <a:r>
               <a:rPr lang="en-US" dirty="0" smtClean="0"/>
-              <a:t>This is very similar to the way that a variable points to a specific object</a:t>
-            </a:r>
-            <a:r>
-              <a:rPr lang="en-US" dirty="0" smtClean="0"/>
-              <a:t>.</a:t>
+              <a:t>This is very similar to the way that a variable points to a specific object.</a:t>
             </a:r>
           </a:p>
           <a:p>
@@ -3282,7 +3278,31 @@
             </a:pPr>
             <a:r>
               <a:rPr lang="en-US" dirty="0" smtClean="0"/>
-              <a:t>		[36,[2], “woo”, “woo”]</a:t>
+              <a:t>		[36</a:t>
+            </a:r>
+            <a:r>
+              <a:rPr lang="en-US" dirty="0" smtClean="0"/>
+              <a:t>,“</a:t>
+            </a:r>
+            <a:r>
+              <a:rPr lang="en-US" dirty="0" smtClean="0"/>
+              <a:t>woo”, </a:t>
+            </a:r>
+            <a:r>
+              <a:rPr lang="en-US" dirty="0"/>
+              <a:t>[2</a:t>
+            </a:r>
+            <a:r>
+              <a:rPr lang="en-US" dirty="0" smtClean="0"/>
+              <a:t>], </a:t>
+            </a:r>
+            <a:r>
+              <a:rPr lang="en-US" dirty="0"/>
+              <a:t>[2]</a:t>
+            </a:r>
+            <a:r>
+              <a:rPr lang="en-US" dirty="0" smtClean="0"/>
+              <a:t>]</a:t>
             </a:r>
             <a:endParaRPr lang="en-US" dirty="0" smtClean="0"/>
           </a:p>
@@ -3367,15 +3387,7 @@
             <a:pPr algn="ctr"/>
             <a:r>
               <a:rPr lang="en-US" sz="2200" b="1" dirty="0" smtClean="0"/>
-              <a:t>[    ,    ,   </a:t>
-            </a:r>
-            <a:r>
-              <a:rPr lang="en-US" sz="2200" b="1" dirty="0" smtClean="0"/>
-              <a:t>,     </a:t>
-            </a:r>
-            <a:r>
-              <a:rPr lang="en-US" sz="2200" b="1" dirty="0" smtClean="0"/>
-              <a:t>]</a:t>
+              <a:t>[    ,    ,   ,     ]</a:t>
             </a:r>
             <a:endParaRPr lang="en-US" sz="2200" b="1" dirty="0"/>
           </a:p>
@@ -3453,7 +3465,7 @@
         </p:nvSpPr>
         <p:spPr>
           <a:xfrm>
-            <a:off x="7335448" y="3659547"/>
+            <a:off x="5736812" y="3693148"/>
             <a:ext cx="432743" cy="369332"/>
           </a:xfrm>
           <a:prstGeom prst="rect">
@@ -3485,7 +3497,7 @@
         </p:nvCxnSpPr>
         <p:spPr>
           <a:xfrm>
-            <a:off x="6761649" y="3605659"/>
+            <a:off x="5163013" y="3639260"/>
             <a:ext cx="573799" cy="238554"/>
           </a:xfrm>
           <a:prstGeom prst="bentConnector3">
@@ -3820,7 +3832,7 @@
         </p:nvSpPr>
         <p:spPr>
           <a:xfrm>
-            <a:off x="4918816" y="3145622"/>
+            <a:off x="6097016" y="3135209"/>
             <a:ext cx="730450" cy="466175"/>
           </a:xfrm>
           <a:prstGeom prst="rect">
@@ -3862,7 +3874,7 @@
         </p:nvSpPr>
         <p:spPr>
           <a:xfrm>
-            <a:off x="5704378" y="3630761"/>
+            <a:off x="6882578" y="3620348"/>
             <a:ext cx="458216" cy="369332"/>
           </a:xfrm>
           <a:prstGeom prst="rect">
@@ -3894,7 +3906,7 @@
         </p:nvCxnSpPr>
         <p:spPr>
           <a:xfrm>
-            <a:off x="5407119" y="3611799"/>
+            <a:off x="6585319" y="3601386"/>
             <a:ext cx="297259" cy="203628"/>
           </a:xfrm>
           <a:prstGeom prst="bentConnector3">
@@ -3926,7 +3938,7 @@
         </p:nvSpPr>
         <p:spPr>
           <a:xfrm>
-            <a:off x="4853787" y="4295558"/>
+            <a:off x="6031987" y="4285145"/>
             <a:ext cx="546631" cy="466175"/>
           </a:xfrm>
           <a:prstGeom prst="rect">
@@ -3968,7 +3980,7 @@
         </p:nvSpPr>
         <p:spPr>
           <a:xfrm>
-            <a:off x="5284954" y="4751320"/>
+            <a:off x="6463154" y="4740907"/>
             <a:ext cx="441146" cy="369332"/>
           </a:xfrm>
           <a:prstGeom prst="rect">
@@ -4001,7 +4013,7 @@
         </p:nvCxnSpPr>
         <p:spPr>
           <a:xfrm rot="16200000" flipH="1">
-            <a:off x="5118902" y="4769933"/>
+            <a:off x="6297102" y="4759520"/>
             <a:ext cx="174253" cy="157851"/>
           </a:xfrm>
           <a:prstGeom prst="bentConnector2">
@@ -4026,14 +4038,12 @@
       <p:cxnSp>
         <p:nvCxnSpPr>
           <p:cNvPr id="69" name="Elbow Connector 68"/>
-          <p:cNvCxnSpPr>
-            <a:endCxn id="54" idx="0"/>
-          </p:cNvCxnSpPr>
+          <p:cNvCxnSpPr/>
           <p:nvPr/>
         </p:nvCxnSpPr>
         <p:spPr>
           <a:xfrm rot="5400000">
-            <a:off x="4943849" y="2566893"/>
+            <a:off x="4946734" y="2582530"/>
             <a:ext cx="918921" cy="238536"/>
           </a:xfrm>
           <a:prstGeom prst="bentConnector3">
@@ -4071,7 +4081,7 @@
         </p:nvCxnSpPr>
         <p:spPr>
           <a:xfrm rot="5400000">
-            <a:off x="4766925" y="3761780"/>
+            <a:off x="5945125" y="3751367"/>
             <a:ext cx="893957" cy="173599"/>
           </a:xfrm>
           <a:prstGeom prst="bentConnector3">
@@ -4107,7 +4117,7 @@
         </p:nvSpPr>
         <p:spPr>
           <a:xfrm>
-            <a:off x="6121605" y="3135208"/>
+            <a:off x="4721882" y="3168809"/>
             <a:ext cx="1040025" cy="466175"/>
           </a:xfrm>
           <a:prstGeom prst="rect">
@@ -4451,11 +4461,7 @@
           <a:p>
             <a:r>
               <a:rPr lang="en-US" dirty="0" smtClean="0"/>
-              <a:t>Mutable </a:t>
-            </a:r>
-            <a:r>
-              <a:rPr lang="en-US" dirty="0" smtClean="0"/>
-              <a:t>objects can be changed through multiple names.</a:t>
+              <a:t>Mutable objects can be changed through multiple names.</a:t>
             </a:r>
             <a:endParaRPr lang="en-US" dirty="0"/>
           </a:p>
